--- a/presentation/Intelligent Flashcards Presentation.pptx
+++ b/presentation/Intelligent Flashcards Presentation.pptx
@@ -10,7 +10,9 @@
     <p:sldId id="258" r:id="rId4"/>
     <p:sldId id="259" r:id="rId5"/>
     <p:sldId id="261" r:id="rId6"/>
-    <p:sldId id="260" r:id="rId7"/>
+    <p:sldId id="262" r:id="rId7"/>
+    <p:sldId id="263" r:id="rId8"/>
+    <p:sldId id="260" r:id="rId9"/>
   </p:sldIdLst>
   <p:sldSz cx="12192000" cy="6858000"/>
   <p:notesSz cx="6858000" cy="9144000"/>
@@ -171,6 +173,13 @@
             <a:schemeClr val="lt1"/>
           </a:fontRef>
         </p:style>
+        <p:txBody>
+          <a:bodyPr/>
+          <a:lstStyle/>
+          <a:p>
+            <a:endParaRPr lang="en-US"/>
+          </a:p>
+        </p:txBody>
       </p:sp>
       <p:sp>
         <p:nvSpPr>
@@ -209,6 +218,13 @@
             <a:schemeClr val="lt1"/>
           </a:fontRef>
         </p:style>
+        <p:txBody>
+          <a:bodyPr/>
+          <a:lstStyle/>
+          <a:p>
+            <a:endParaRPr lang="en-US"/>
+          </a:p>
+        </p:txBody>
       </p:sp>
       <p:sp>
         <p:nvSpPr>
@@ -3114,6 +3130,13 @@
             <a:schemeClr val="lt1"/>
           </a:fontRef>
         </p:style>
+        <p:txBody>
+          <a:bodyPr/>
+          <a:lstStyle/>
+          <a:p>
+            <a:endParaRPr lang="en-US"/>
+          </a:p>
+        </p:txBody>
       </p:sp>
       <p:sp>
         <p:nvSpPr>
@@ -3152,6 +3175,13 @@
             <a:schemeClr val="lt1"/>
           </a:fontRef>
         </p:style>
+        <p:txBody>
+          <a:bodyPr/>
+          <a:lstStyle/>
+          <a:p>
+            <a:endParaRPr lang="en-US"/>
+          </a:p>
+        </p:txBody>
       </p:sp>
       <p:sp>
         <p:nvSpPr>
@@ -4004,7 +4034,7 @@
       </p:sp>
       <p:pic>
         <p:nvPicPr>
-          <p:cNvPr id="7" name="Content Placeholder 6" descr="A screenshot of a computer&#10;&#10;AI-generated content may be incorrect.">
+          <p:cNvPr id="7" name="Content Placeholder 6">
             <a:extLst>
               <a:ext uri="{FF2B5EF4-FFF2-40B4-BE49-F238E27FC236}">
                 <a16:creationId xmlns:a16="http://schemas.microsoft.com/office/drawing/2014/main" id="{B092EF94-3339-6B0C-E311-F8194B1A7F4A}"/>
@@ -4026,9 +4056,8 @@
               </a:ext>
             </a:extLst>
           </a:blip>
-          <a:stretch>
-            <a:fillRect/>
-          </a:stretch>
+          <a:srcRect/>
+          <a:stretch/>
         </p:blipFill>
         <p:spPr>
           <a:xfrm>
@@ -4319,6 +4348,60 @@
       </p:grpSpPr>
       <p:sp>
         <p:nvSpPr>
+          <p:cNvPr id="8" name="Rectangle: Rounded Corners 7">
+            <a:extLst>
+              <a:ext uri="{FF2B5EF4-FFF2-40B4-BE49-F238E27FC236}">
+                <a16:creationId xmlns:a16="http://schemas.microsoft.com/office/drawing/2014/main" id="{247EC7E9-2E8D-E461-B6D3-E9C2AC623BF2}"/>
+              </a:ext>
+            </a:extLst>
+          </p:cNvPr>
+          <p:cNvSpPr/>
+          <p:nvPr/>
+        </p:nvSpPr>
+        <p:spPr>
+          <a:xfrm>
+            <a:off x="1096963" y="1930400"/>
+            <a:ext cx="9998074" cy="3917243"/>
+          </a:xfrm>
+          <a:prstGeom prst="roundRect">
+            <a:avLst/>
+          </a:prstGeom>
+          <a:solidFill>
+            <a:schemeClr val="accent1">
+              <a:lumMod val="75000"/>
+            </a:schemeClr>
+          </a:solidFill>
+          <a:ln>
+            <a:noFill/>
+          </a:ln>
+        </p:spPr>
+        <p:style>
+          <a:lnRef idx="2">
+            <a:schemeClr val="accent1">
+              <a:shade val="15000"/>
+            </a:schemeClr>
+          </a:lnRef>
+          <a:fillRef idx="1">
+            <a:schemeClr val="accent1"/>
+          </a:fillRef>
+          <a:effectRef idx="0">
+            <a:schemeClr val="accent1"/>
+          </a:effectRef>
+          <a:fontRef idx="minor">
+            <a:schemeClr val="lt1"/>
+          </a:fontRef>
+        </p:style>
+        <p:txBody>
+          <a:bodyPr rtlCol="0" anchor="ctr"/>
+          <a:lstStyle/>
+          <a:p>
+            <a:pPr algn="ctr"/>
+            <a:endParaRPr lang="en-US"/>
+          </a:p>
+        </p:txBody>
+      </p:sp>
+      <p:sp>
+        <p:nvSpPr>
           <p:cNvPr id="4" name="Title 3">
             <a:extLst>
               <a:ext uri="{FF2B5EF4-FFF2-40B4-BE49-F238E27FC236}">
@@ -4338,35 +4421,48 @@
           <a:bodyPr/>
           <a:lstStyle/>
           <a:p>
-            <a:endParaRPr lang="en-US"/>
-          </a:p>
-        </p:txBody>
-      </p:sp>
-      <p:sp>
-        <p:nvSpPr>
-          <p:cNvPr id="5" name="Content Placeholder 4">
+            <a:r>
+              <a:rPr lang="en-US" dirty="0"/>
+              <a:t>User Flow Diagrams</a:t>
+            </a:r>
+          </a:p>
+        </p:txBody>
+      </p:sp>
+      <p:pic>
+        <p:nvPicPr>
+          <p:cNvPr id="12" name="Content Placeholder 11" descr="A diagram of a computer&#10;&#10;AI-generated content may be incorrect.">
             <a:extLst>
               <a:ext uri="{FF2B5EF4-FFF2-40B4-BE49-F238E27FC236}">
-                <a16:creationId xmlns:a16="http://schemas.microsoft.com/office/drawing/2014/main" id="{34BF185F-0F66-AF5B-6303-75B8A9C4DF99}"/>
+                <a16:creationId xmlns:a16="http://schemas.microsoft.com/office/drawing/2014/main" id="{81AB7FEE-8E7F-708A-FF01-1FF368AC736C}"/>
               </a:ext>
             </a:extLst>
           </p:cNvPr>
-          <p:cNvSpPr>
-            <a:spLocks noGrp="1"/>
-          </p:cNvSpPr>
+          <p:cNvPicPr>
+            <a:picLocks noGrp="1" noChangeAspect="1"/>
+          </p:cNvPicPr>
           <p:nvPr>
             <p:ph idx="1"/>
           </p:nvPr>
-        </p:nvSpPr>
-        <p:spPr/>
-        <p:txBody>
-          <a:bodyPr/>
-          <a:lstStyle/>
-          <a:p>
-            <a:endParaRPr lang="en-US" dirty="0"/>
-          </a:p>
-        </p:txBody>
-      </p:sp>
+        </p:nvPicPr>
+        <p:blipFill>
+          <a:blip r:embed="rId2">
+            <a:extLst>
+              <a:ext uri="{28A0092B-C50C-407E-A947-70E740481C1C}">
+                <a14:useLocalDpi xmlns:a14="http://schemas.microsoft.com/office/drawing/2010/main" val="0"/>
+              </a:ext>
+            </a:extLst>
+          </a:blip>
+          <a:stretch>
+            <a:fillRect/>
+          </a:stretch>
+        </p:blipFill>
+        <p:spPr>
+          <a:xfrm>
+            <a:off x="2252536" y="1935640"/>
+            <a:ext cx="7686928" cy="3912003"/>
+          </a:xfrm>
+        </p:spPr>
+      </p:pic>
     </p:spTree>
     <p:extLst>
       <p:ext uri="{BB962C8B-B14F-4D97-AF65-F5344CB8AC3E}">
@@ -4383,6 +4479,732 @@
 <file path=ppt/slides/slide6.xml><?xml version="1.0" encoding="utf-8"?>
 <p:sld xmlns:a="http://schemas.openxmlformats.org/drawingml/2006/main" xmlns:r="http://schemas.openxmlformats.org/officeDocument/2006/relationships" xmlns:p="http://schemas.openxmlformats.org/presentationml/2006/main">
   <p:cSld>
+    <p:spTree>
+      <p:nvGrpSpPr>
+        <p:cNvPr id="1" name="">
+          <a:extLst>
+            <a:ext uri="{FF2B5EF4-FFF2-40B4-BE49-F238E27FC236}">
+              <a16:creationId xmlns:a16="http://schemas.microsoft.com/office/drawing/2014/main" id="{A8C674C1-70E7-942E-D511-0508F9F733EF}"/>
+            </a:ext>
+          </a:extLst>
+        </p:cNvPr>
+        <p:cNvGrpSpPr/>
+        <p:nvPr/>
+      </p:nvGrpSpPr>
+      <p:grpSpPr>
+        <a:xfrm>
+          <a:off x="0" y="0"/>
+          <a:ext cx="0" cy="0"/>
+          <a:chOff x="0" y="0"/>
+          <a:chExt cx="0" cy="0"/>
+        </a:xfrm>
+      </p:grpSpPr>
+      <p:sp>
+        <p:nvSpPr>
+          <p:cNvPr id="8" name="Rectangle: Rounded Corners 7">
+            <a:extLst>
+              <a:ext uri="{FF2B5EF4-FFF2-40B4-BE49-F238E27FC236}">
+                <a16:creationId xmlns:a16="http://schemas.microsoft.com/office/drawing/2014/main" id="{F6F29DD7-EA6A-789A-A335-1AD77BA1B1F2}"/>
+              </a:ext>
+            </a:extLst>
+          </p:cNvPr>
+          <p:cNvSpPr/>
+          <p:nvPr/>
+        </p:nvSpPr>
+        <p:spPr>
+          <a:xfrm>
+            <a:off x="1096963" y="1930400"/>
+            <a:ext cx="9998074" cy="3917243"/>
+          </a:xfrm>
+          <a:prstGeom prst="roundRect">
+            <a:avLst/>
+          </a:prstGeom>
+          <a:solidFill>
+            <a:schemeClr val="accent1">
+              <a:lumMod val="75000"/>
+            </a:schemeClr>
+          </a:solidFill>
+          <a:ln>
+            <a:noFill/>
+          </a:ln>
+        </p:spPr>
+        <p:style>
+          <a:lnRef idx="2">
+            <a:schemeClr val="accent1">
+              <a:shade val="15000"/>
+            </a:schemeClr>
+          </a:lnRef>
+          <a:fillRef idx="1">
+            <a:schemeClr val="accent1"/>
+          </a:fillRef>
+          <a:effectRef idx="0">
+            <a:schemeClr val="accent1"/>
+          </a:effectRef>
+          <a:fontRef idx="minor">
+            <a:schemeClr val="lt1"/>
+          </a:fontRef>
+        </p:style>
+        <p:txBody>
+          <a:bodyPr rtlCol="0" anchor="ctr"/>
+          <a:lstStyle/>
+          <a:p>
+            <a:pPr algn="ctr"/>
+            <a:endParaRPr lang="en-US"/>
+          </a:p>
+        </p:txBody>
+      </p:sp>
+      <p:sp>
+        <p:nvSpPr>
+          <p:cNvPr id="4" name="Title 3">
+            <a:extLst>
+              <a:ext uri="{FF2B5EF4-FFF2-40B4-BE49-F238E27FC236}">
+                <a16:creationId xmlns:a16="http://schemas.microsoft.com/office/drawing/2014/main" id="{3AF597AC-4EF4-6232-7A6D-193DEDED854B}"/>
+              </a:ext>
+            </a:extLst>
+          </p:cNvPr>
+          <p:cNvSpPr>
+            <a:spLocks noGrp="1"/>
+          </p:cNvSpPr>
+          <p:nvPr>
+            <p:ph type="title"/>
+          </p:nvPr>
+        </p:nvSpPr>
+        <p:spPr/>
+        <p:txBody>
+          <a:bodyPr/>
+          <a:lstStyle/>
+          <a:p>
+            <a:r>
+              <a:rPr lang="en-US" dirty="0"/>
+              <a:t>User Flow Diagrams</a:t>
+            </a:r>
+          </a:p>
+        </p:txBody>
+      </p:sp>
+      <p:pic>
+        <p:nvPicPr>
+          <p:cNvPr id="6" name="Content Placeholder 5" descr="A screenshot of a computer&#10;&#10;AI-generated content may be incorrect.">
+            <a:extLst>
+              <a:ext uri="{FF2B5EF4-FFF2-40B4-BE49-F238E27FC236}">
+                <a16:creationId xmlns:a16="http://schemas.microsoft.com/office/drawing/2014/main" id="{CED8545D-962F-787B-96B2-2797D0C7E2C0}"/>
+              </a:ext>
+            </a:extLst>
+          </p:cNvPr>
+          <p:cNvPicPr>
+            <a:picLocks noGrp="1" noChangeAspect="1"/>
+          </p:cNvPicPr>
+          <p:nvPr>
+            <p:ph idx="1"/>
+          </p:nvPr>
+        </p:nvPicPr>
+        <p:blipFill>
+          <a:blip r:embed="rId2">
+            <a:extLst>
+              <a:ext uri="{28A0092B-C50C-407E-A947-70E740481C1C}">
+                <a14:useLocalDpi xmlns:a14="http://schemas.microsoft.com/office/drawing/2010/main" val="0"/>
+              </a:ext>
+            </a:extLst>
+          </a:blip>
+          <a:srcRect t="31417"/>
+          <a:stretch>
+            <a:fillRect/>
+          </a:stretch>
+        </p:blipFill>
+        <p:spPr>
+          <a:xfrm>
+            <a:off x="1807457" y="1930400"/>
+            <a:ext cx="8638046" cy="3724997"/>
+          </a:xfrm>
+        </p:spPr>
+      </p:pic>
+    </p:spTree>
+    <p:extLst>
+      <p:ext uri="{BB962C8B-B14F-4D97-AF65-F5344CB8AC3E}">
+        <p14:creationId xmlns:p14="http://schemas.microsoft.com/office/powerpoint/2010/main" val="175684048"/>
+      </p:ext>
+    </p:extLst>
+  </p:cSld>
+  <p:clrMapOvr>
+    <a:masterClrMapping/>
+  </p:clrMapOvr>
+</p:sld>
+</file>
+
+<file path=ppt/slides/slide7.xml><?xml version="1.0" encoding="utf-8"?>
+<p:sld xmlns:a="http://schemas.openxmlformats.org/drawingml/2006/main" xmlns:r="http://schemas.openxmlformats.org/officeDocument/2006/relationships" xmlns:p="http://schemas.openxmlformats.org/presentationml/2006/main">
+  <p:cSld>
+    <p:spTree>
+      <p:nvGrpSpPr>
+        <p:cNvPr id="1" name=""/>
+        <p:cNvGrpSpPr/>
+        <p:nvPr/>
+      </p:nvGrpSpPr>
+      <p:grpSpPr>
+        <a:xfrm>
+          <a:off x="0" y="0"/>
+          <a:ext cx="0" cy="0"/>
+          <a:chOff x="0" y="0"/>
+          <a:chExt cx="0" cy="0"/>
+        </a:xfrm>
+      </p:grpSpPr>
+      <p:sp>
+        <p:nvSpPr>
+          <p:cNvPr id="10" name="Rectangle 9">
+            <a:extLst>
+              <a:ext uri="{FF2B5EF4-FFF2-40B4-BE49-F238E27FC236}">
+                <a16:creationId xmlns:a16="http://schemas.microsoft.com/office/drawing/2014/main" id="{77C9FB2E-E183-EBAA-1BBF-1BD8829B757B}"/>
+              </a:ext>
+            </a:extLst>
+          </p:cNvPr>
+          <p:cNvSpPr/>
+          <p:nvPr/>
+        </p:nvSpPr>
+        <p:spPr>
+          <a:xfrm>
+            <a:off x="0" y="1881832"/>
+            <a:ext cx="12192000" cy="4022721"/>
+          </a:xfrm>
+          <a:prstGeom prst="rect">
+            <a:avLst/>
+          </a:prstGeom>
+        </p:spPr>
+        <p:style>
+          <a:lnRef idx="2">
+            <a:schemeClr val="accent1">
+              <a:shade val="15000"/>
+            </a:schemeClr>
+          </a:lnRef>
+          <a:fillRef idx="1">
+            <a:schemeClr val="accent1"/>
+          </a:fillRef>
+          <a:effectRef idx="0">
+            <a:schemeClr val="accent1"/>
+          </a:effectRef>
+          <a:fontRef idx="minor">
+            <a:schemeClr val="lt1"/>
+          </a:fontRef>
+        </p:style>
+        <p:txBody>
+          <a:bodyPr rtlCol="0" anchor="ctr"/>
+          <a:lstStyle/>
+          <a:p>
+            <a:pPr algn="ctr"/>
+            <a:endParaRPr lang="en-US" dirty="0"/>
+          </a:p>
+        </p:txBody>
+      </p:sp>
+      <p:sp>
+        <p:nvSpPr>
+          <p:cNvPr id="2" name="Title 1">
+            <a:extLst>
+              <a:ext uri="{FF2B5EF4-FFF2-40B4-BE49-F238E27FC236}">
+                <a16:creationId xmlns:a16="http://schemas.microsoft.com/office/drawing/2014/main" id="{EF0FD101-5335-CB5B-829E-51054701D1D9}"/>
+              </a:ext>
+            </a:extLst>
+          </p:cNvPr>
+          <p:cNvSpPr>
+            <a:spLocks noGrp="1"/>
+          </p:cNvSpPr>
+          <p:nvPr>
+            <p:ph type="title"/>
+          </p:nvPr>
+        </p:nvSpPr>
+        <p:spPr/>
+        <p:txBody>
+          <a:bodyPr/>
+          <a:lstStyle/>
+          <a:p>
+            <a:r>
+              <a:rPr lang="en-US" dirty="0"/>
+              <a:t>User Interface</a:t>
+            </a:r>
+          </a:p>
+        </p:txBody>
+      </p:sp>
+      <p:pic>
+        <p:nvPicPr>
+          <p:cNvPr id="5" name="Content Placeholder 4" descr="A screenshot of a phone&#10;&#10;AI-generated content may be incorrect.">
+            <a:extLst>
+              <a:ext uri="{FF2B5EF4-FFF2-40B4-BE49-F238E27FC236}">
+                <a16:creationId xmlns:a16="http://schemas.microsoft.com/office/drawing/2014/main" id="{8B415B8A-5CBE-CEBF-278D-9E1DD10BA2C3}"/>
+              </a:ext>
+            </a:extLst>
+          </p:cNvPr>
+          <p:cNvPicPr>
+            <a:picLocks noGrp="1" noChangeAspect="1"/>
+          </p:cNvPicPr>
+          <p:nvPr>
+            <p:ph idx="1"/>
+          </p:nvPr>
+        </p:nvPicPr>
+        <p:blipFill>
+          <a:blip r:embed="rId2">
+            <a:extLst>
+              <a:ext uri="{28A0092B-C50C-407E-A947-70E740481C1C}">
+                <a14:useLocalDpi xmlns:a14="http://schemas.microsoft.com/office/drawing/2010/main" val="0"/>
+              </a:ext>
+            </a:extLst>
+          </a:blip>
+          <a:stretch>
+            <a:fillRect/>
+          </a:stretch>
+        </p:blipFill>
+        <p:spPr>
+          <a:xfrm>
+            <a:off x="1097279" y="1860637"/>
+            <a:ext cx="1850269" cy="4022725"/>
+          </a:xfrm>
+        </p:spPr>
+      </p:pic>
+      <p:pic>
+        <p:nvPicPr>
+          <p:cNvPr id="6" name="Content Placeholder 4">
+            <a:extLst>
+              <a:ext uri="{FF2B5EF4-FFF2-40B4-BE49-F238E27FC236}">
+                <a16:creationId xmlns:a16="http://schemas.microsoft.com/office/drawing/2014/main" id="{110EBCD8-1739-D0AE-5A4D-56DF4014A334}"/>
+              </a:ext>
+            </a:extLst>
+          </p:cNvPr>
+          <p:cNvPicPr>
+            <a:picLocks noChangeAspect="1"/>
+          </p:cNvPicPr>
+          <p:nvPr/>
+        </p:nvPicPr>
+        <p:blipFill>
+          <a:blip r:embed="rId3">
+            <a:extLst>
+              <a:ext uri="{28A0092B-C50C-407E-A947-70E740481C1C}">
+                <a14:useLocalDpi xmlns:a14="http://schemas.microsoft.com/office/drawing/2010/main" val="0"/>
+              </a:ext>
+            </a:extLst>
+          </a:blip>
+          <a:srcRect/>
+          <a:stretch/>
+        </p:blipFill>
+        <p:spPr>
+          <a:xfrm>
+            <a:off x="3190249" y="1881832"/>
+            <a:ext cx="1850269" cy="3980334"/>
+          </a:xfrm>
+          <a:prstGeom prst="rect">
+            <a:avLst/>
+          </a:prstGeom>
+        </p:spPr>
+      </p:pic>
+      <p:pic>
+        <p:nvPicPr>
+          <p:cNvPr id="7" name="Content Placeholder 4">
+            <a:extLst>
+              <a:ext uri="{FF2B5EF4-FFF2-40B4-BE49-F238E27FC236}">
+                <a16:creationId xmlns:a16="http://schemas.microsoft.com/office/drawing/2014/main" id="{385CA56D-0868-2681-B203-6A5B46CEB3DA}"/>
+              </a:ext>
+            </a:extLst>
+          </p:cNvPr>
+          <p:cNvPicPr>
+            <a:picLocks noChangeAspect="1"/>
+          </p:cNvPicPr>
+          <p:nvPr/>
+        </p:nvPicPr>
+        <p:blipFill>
+          <a:blip r:embed="rId4">
+            <a:extLst>
+              <a:ext uri="{28A0092B-C50C-407E-A947-70E740481C1C}">
+                <a14:useLocalDpi xmlns:a14="http://schemas.microsoft.com/office/drawing/2010/main" val="0"/>
+              </a:ext>
+            </a:extLst>
+          </a:blip>
+          <a:srcRect/>
+          <a:stretch/>
+        </p:blipFill>
+        <p:spPr>
+          <a:xfrm>
+            <a:off x="5283218" y="1874745"/>
+            <a:ext cx="1850269" cy="4022723"/>
+          </a:xfrm>
+          <a:prstGeom prst="rect">
+            <a:avLst/>
+          </a:prstGeom>
+        </p:spPr>
+      </p:pic>
+      <p:pic>
+        <p:nvPicPr>
+          <p:cNvPr id="8" name="Content Placeholder 4">
+            <a:extLst>
+              <a:ext uri="{FF2B5EF4-FFF2-40B4-BE49-F238E27FC236}">
+                <a16:creationId xmlns:a16="http://schemas.microsoft.com/office/drawing/2014/main" id="{3D7789C4-0BDA-99C5-13CD-150A2D8F5273}"/>
+              </a:ext>
+            </a:extLst>
+          </p:cNvPr>
+          <p:cNvPicPr>
+            <a:picLocks noChangeAspect="1"/>
+          </p:cNvPicPr>
+          <p:nvPr/>
+        </p:nvPicPr>
+        <p:blipFill>
+          <a:blip r:embed="rId5">
+            <a:extLst>
+              <a:ext uri="{28A0092B-C50C-407E-A947-70E740481C1C}">
+                <a14:useLocalDpi xmlns:a14="http://schemas.microsoft.com/office/drawing/2010/main" val="0"/>
+              </a:ext>
+            </a:extLst>
+          </a:blip>
+          <a:srcRect/>
+          <a:stretch/>
+        </p:blipFill>
+        <p:spPr>
+          <a:xfrm>
+            <a:off x="7376187" y="1860637"/>
+            <a:ext cx="1850268" cy="4022723"/>
+          </a:xfrm>
+          <a:prstGeom prst="rect">
+            <a:avLst/>
+          </a:prstGeom>
+        </p:spPr>
+      </p:pic>
+      <p:pic>
+        <p:nvPicPr>
+          <p:cNvPr id="9" name="Content Placeholder 4">
+            <a:extLst>
+              <a:ext uri="{FF2B5EF4-FFF2-40B4-BE49-F238E27FC236}">
+                <a16:creationId xmlns:a16="http://schemas.microsoft.com/office/drawing/2014/main" id="{76BC1B76-2E2D-5812-932E-1DED27AB3F43}"/>
+              </a:ext>
+            </a:extLst>
+          </p:cNvPr>
+          <p:cNvPicPr>
+            <a:picLocks noChangeAspect="1"/>
+          </p:cNvPicPr>
+          <p:nvPr/>
+        </p:nvPicPr>
+        <p:blipFill>
+          <a:blip r:embed="rId6">
+            <a:extLst>
+              <a:ext uri="{28A0092B-C50C-407E-A947-70E740481C1C}">
+                <a14:useLocalDpi xmlns:a14="http://schemas.microsoft.com/office/drawing/2010/main" val="0"/>
+              </a:ext>
+            </a:extLst>
+          </a:blip>
+          <a:srcRect/>
+          <a:stretch/>
+        </p:blipFill>
+        <p:spPr>
+          <a:xfrm>
+            <a:off x="9469156" y="1860638"/>
+            <a:ext cx="1850268" cy="4022721"/>
+          </a:xfrm>
+          <a:prstGeom prst="rect">
+            <a:avLst/>
+          </a:prstGeom>
+        </p:spPr>
+      </p:pic>
+    </p:spTree>
+    <p:extLst>
+      <p:ext uri="{BB962C8B-B14F-4D97-AF65-F5344CB8AC3E}">
+        <p14:creationId xmlns:p14="http://schemas.microsoft.com/office/powerpoint/2010/main" val="1795292011"/>
+      </p:ext>
+    </p:extLst>
+  </p:cSld>
+  <p:clrMapOvr>
+    <a:masterClrMapping/>
+  </p:clrMapOvr>
+  <p:timing>
+    <p:tnLst>
+      <p:par>
+        <p:cTn id="1" dur="indefinite" restart="never" nodeType="tmRoot">
+          <p:childTnLst>
+            <p:seq concurrent="1" nextAc="seek">
+              <p:cTn id="2" dur="indefinite" nodeType="mainSeq">
+                <p:childTnLst>
+                  <p:par>
+                    <p:cTn id="3" fill="hold">
+                      <p:stCondLst>
+                        <p:cond delay="indefinite"/>
+                      </p:stCondLst>
+                      <p:childTnLst>
+                        <p:par>
+                          <p:cTn id="4" fill="hold">
+                            <p:stCondLst>
+                              <p:cond delay="0"/>
+                            </p:stCondLst>
+                            <p:childTnLst>
+                              <p:par>
+                                <p:cTn id="5" presetID="1" presetClass="entr" presetSubtype="0" fill="hold" nodeType="clickEffect">
+                                  <p:stCondLst>
+                                    <p:cond delay="0"/>
+                                  </p:stCondLst>
+                                  <p:childTnLst>
+                                    <p:set>
+                                      <p:cBhvr>
+                                        <p:cTn id="6" dur="1" fill="hold">
+                                          <p:stCondLst>
+                                            <p:cond delay="0"/>
+                                          </p:stCondLst>
+                                        </p:cTn>
+                                        <p:tgtEl>
+                                          <p:spTgt spid="5"/>
+                                        </p:tgtEl>
+                                        <p:attrNameLst>
+                                          <p:attrName>style.visibility</p:attrName>
+                                        </p:attrNameLst>
+                                      </p:cBhvr>
+                                      <p:to>
+                                        <p:strVal val="visible"/>
+                                      </p:to>
+                                    </p:set>
+                                  </p:childTnLst>
+                                </p:cTn>
+                              </p:par>
+                              <p:par>
+                                <p:cTn id="7" presetID="1" presetClass="entr" presetSubtype="0" fill="hold" grpId="0" nodeType="withEffect">
+                                  <p:stCondLst>
+                                    <p:cond delay="0"/>
+                                  </p:stCondLst>
+                                  <p:childTnLst>
+                                    <p:set>
+                                      <p:cBhvr>
+                                        <p:cTn id="8" dur="1" fill="hold">
+                                          <p:stCondLst>
+                                            <p:cond delay="0"/>
+                                          </p:stCondLst>
+                                        </p:cTn>
+                                        <p:tgtEl>
+                                          <p:spTgt spid="10"/>
+                                        </p:tgtEl>
+                                        <p:attrNameLst>
+                                          <p:attrName>style.visibility</p:attrName>
+                                        </p:attrNameLst>
+                                      </p:cBhvr>
+                                      <p:to>
+                                        <p:strVal val="visible"/>
+                                      </p:to>
+                                    </p:set>
+                                  </p:childTnLst>
+                                </p:cTn>
+                              </p:par>
+                            </p:childTnLst>
+                          </p:cTn>
+                        </p:par>
+                      </p:childTnLst>
+                    </p:cTn>
+                  </p:par>
+                  <p:par>
+                    <p:cTn id="9" fill="hold">
+                      <p:stCondLst>
+                        <p:cond delay="indefinite"/>
+                      </p:stCondLst>
+                      <p:childTnLst>
+                        <p:par>
+                          <p:cTn id="10" fill="hold">
+                            <p:stCondLst>
+                              <p:cond delay="0"/>
+                            </p:stCondLst>
+                            <p:childTnLst>
+                              <p:par>
+                                <p:cTn id="11" presetID="1" presetClass="entr" presetSubtype="0" fill="hold" nodeType="clickEffect">
+                                  <p:stCondLst>
+                                    <p:cond delay="0"/>
+                                  </p:stCondLst>
+                                  <p:childTnLst>
+                                    <p:set>
+                                      <p:cBhvr>
+                                        <p:cTn id="12" dur="1" fill="hold">
+                                          <p:stCondLst>
+                                            <p:cond delay="0"/>
+                                          </p:stCondLst>
+                                        </p:cTn>
+                                        <p:tgtEl>
+                                          <p:spTgt spid="6"/>
+                                        </p:tgtEl>
+                                        <p:attrNameLst>
+                                          <p:attrName>style.visibility</p:attrName>
+                                        </p:attrNameLst>
+                                      </p:cBhvr>
+                                      <p:to>
+                                        <p:strVal val="visible"/>
+                                      </p:to>
+                                    </p:set>
+                                  </p:childTnLst>
+                                </p:cTn>
+                              </p:par>
+                            </p:childTnLst>
+                          </p:cTn>
+                        </p:par>
+                      </p:childTnLst>
+                    </p:cTn>
+                  </p:par>
+                  <p:par>
+                    <p:cTn id="13" fill="hold">
+                      <p:stCondLst>
+                        <p:cond delay="indefinite"/>
+                      </p:stCondLst>
+                      <p:childTnLst>
+                        <p:par>
+                          <p:cTn id="14" fill="hold">
+                            <p:stCondLst>
+                              <p:cond delay="0"/>
+                            </p:stCondLst>
+                            <p:childTnLst>
+                              <p:par>
+                                <p:cTn id="15" presetID="1" presetClass="entr" presetSubtype="0" fill="hold" nodeType="clickEffect">
+                                  <p:stCondLst>
+                                    <p:cond delay="0"/>
+                                  </p:stCondLst>
+                                  <p:childTnLst>
+                                    <p:set>
+                                      <p:cBhvr>
+                                        <p:cTn id="16" dur="1" fill="hold">
+                                          <p:stCondLst>
+                                            <p:cond delay="0"/>
+                                          </p:stCondLst>
+                                        </p:cTn>
+                                        <p:tgtEl>
+                                          <p:spTgt spid="7"/>
+                                        </p:tgtEl>
+                                        <p:attrNameLst>
+                                          <p:attrName>style.visibility</p:attrName>
+                                        </p:attrNameLst>
+                                      </p:cBhvr>
+                                      <p:to>
+                                        <p:strVal val="visible"/>
+                                      </p:to>
+                                    </p:set>
+                                  </p:childTnLst>
+                                </p:cTn>
+                              </p:par>
+                            </p:childTnLst>
+                          </p:cTn>
+                        </p:par>
+                      </p:childTnLst>
+                    </p:cTn>
+                  </p:par>
+                  <p:par>
+                    <p:cTn id="17" fill="hold">
+                      <p:stCondLst>
+                        <p:cond delay="indefinite"/>
+                      </p:stCondLst>
+                      <p:childTnLst>
+                        <p:par>
+                          <p:cTn id="18" fill="hold">
+                            <p:stCondLst>
+                              <p:cond delay="0"/>
+                            </p:stCondLst>
+                            <p:childTnLst>
+                              <p:par>
+                                <p:cTn id="19" presetID="1" presetClass="entr" presetSubtype="0" fill="hold" nodeType="clickEffect">
+                                  <p:stCondLst>
+                                    <p:cond delay="0"/>
+                                  </p:stCondLst>
+                                  <p:childTnLst>
+                                    <p:set>
+                                      <p:cBhvr>
+                                        <p:cTn id="20" dur="1" fill="hold">
+                                          <p:stCondLst>
+                                            <p:cond delay="0"/>
+                                          </p:stCondLst>
+                                        </p:cTn>
+                                        <p:tgtEl>
+                                          <p:spTgt spid="8"/>
+                                        </p:tgtEl>
+                                        <p:attrNameLst>
+                                          <p:attrName>style.visibility</p:attrName>
+                                        </p:attrNameLst>
+                                      </p:cBhvr>
+                                      <p:to>
+                                        <p:strVal val="visible"/>
+                                      </p:to>
+                                    </p:set>
+                                  </p:childTnLst>
+                                </p:cTn>
+                              </p:par>
+                            </p:childTnLst>
+                          </p:cTn>
+                        </p:par>
+                      </p:childTnLst>
+                    </p:cTn>
+                  </p:par>
+                  <p:par>
+                    <p:cTn id="21" fill="hold">
+                      <p:stCondLst>
+                        <p:cond delay="indefinite"/>
+                      </p:stCondLst>
+                      <p:childTnLst>
+                        <p:par>
+                          <p:cTn id="22" fill="hold">
+                            <p:stCondLst>
+                              <p:cond delay="0"/>
+                            </p:stCondLst>
+                            <p:childTnLst>
+                              <p:par>
+                                <p:cTn id="23" presetID="1" presetClass="entr" presetSubtype="0" fill="hold" nodeType="clickEffect">
+                                  <p:stCondLst>
+                                    <p:cond delay="0"/>
+                                  </p:stCondLst>
+                                  <p:childTnLst>
+                                    <p:set>
+                                      <p:cBhvr>
+                                        <p:cTn id="24" dur="1" fill="hold">
+                                          <p:stCondLst>
+                                            <p:cond delay="0"/>
+                                          </p:stCondLst>
+                                        </p:cTn>
+                                        <p:tgtEl>
+                                          <p:spTgt spid="9"/>
+                                        </p:tgtEl>
+                                        <p:attrNameLst>
+                                          <p:attrName>style.visibility</p:attrName>
+                                        </p:attrNameLst>
+                                      </p:cBhvr>
+                                      <p:to>
+                                        <p:strVal val="visible"/>
+                                      </p:to>
+                                    </p:set>
+                                  </p:childTnLst>
+                                </p:cTn>
+                              </p:par>
+                            </p:childTnLst>
+                          </p:cTn>
+                        </p:par>
+                      </p:childTnLst>
+                    </p:cTn>
+                  </p:par>
+                </p:childTnLst>
+              </p:cTn>
+              <p:prevCondLst>
+                <p:cond evt="onPrev" delay="0">
+                  <p:tgtEl>
+                    <p:sldTgt/>
+                  </p:tgtEl>
+                </p:cond>
+              </p:prevCondLst>
+              <p:nextCondLst>
+                <p:cond evt="onNext" delay="0">
+                  <p:tgtEl>
+                    <p:sldTgt/>
+                  </p:tgtEl>
+                </p:cond>
+              </p:nextCondLst>
+            </p:seq>
+          </p:childTnLst>
+        </p:cTn>
+      </p:par>
+    </p:tnLst>
+    <p:bldLst>
+      <p:bldP spid="10" grpId="0" animBg="1"/>
+    </p:bldLst>
+  </p:timing>
+</p:sld>
+</file>
+
+<file path=ppt/slides/slide8.xml><?xml version="1.0" encoding="utf-8"?>
+<p:sld xmlns:a="http://schemas.openxmlformats.org/drawingml/2006/main" xmlns:r="http://schemas.openxmlformats.org/officeDocument/2006/relationships" xmlns:p="http://schemas.openxmlformats.org/presentationml/2006/main">
+  <p:cSld>
+    <p:bg>
+      <p:bgPr>
+        <a:solidFill>
+          <a:schemeClr val="bg1"/>
+        </a:solidFill>
+        <a:effectLst/>
+      </p:bgPr>
+    </p:bg>
     <p:spTree>
       <p:nvGrpSpPr>
         <p:cNvPr id="1" name=""/>
